--- a/src/assets/documents/EOC Development Tool/6 - How do we deactivate our EOC/ppt_eoc_deactivation_process_20200522_FINAL.pptx
+++ b/src/assets/documents/EOC Development Tool/6 - How do we deactivate our EOC/ppt_eoc_deactivation_process_20200522_FINAL.pptx
@@ -322,7 +322,7 @@
               <a:pPr>
                 <a:defRPr/>
               </a:pPr>
-              <a:t>5/25/20</a:t>
+              <a:t>6/26/20</a:t>
             </a:fld>
             <a:endParaRPr lang="en-US"/>
           </a:p>
@@ -2166,105 +2166,6 @@
           </p:txBody>
         </p:sp>
       </p:grpSp>
-      <p:pic>
-        <p:nvPicPr>
-          <p:cNvPr id="15" name="Picture 14">
-            <a:extLst>
-              <a:ext uri="{FF2B5EF4-FFF2-40B4-BE49-F238E27FC236}">
-                <a16:creationId xmlns:a16="http://schemas.microsoft.com/office/drawing/2014/main" id="{8C131138-E77E-EC43-AA41-66878DD0EE8C}"/>
-              </a:ext>
-              <a:ext uri="{C183D7F6-B498-43B3-948B-1728B52AA6E4}">
-                <adec:decorative xmlns:adec="http://schemas.microsoft.com/office/drawing/2017/decorative" val="1"/>
-              </a:ext>
-            </a:extLst>
-          </p:cNvPr>
-          <p:cNvPicPr>
-            <a:picLocks noChangeAspect="1"/>
-          </p:cNvPicPr>
-          <p:nvPr userDrawn="1"/>
-        </p:nvPicPr>
-        <p:blipFill>
-          <a:blip r:embed="rId3">
-            <a:extLst>
-              <a:ext uri="{28A0092B-C50C-407E-A947-70E740481C1C}">
-                <a14:useLocalDpi xmlns:a14="http://schemas.microsoft.com/office/drawing/2010/main" val="0"/>
-              </a:ext>
-            </a:extLst>
-          </a:blip>
-          <a:stretch>
-            <a:fillRect/>
-          </a:stretch>
-        </p:blipFill>
-        <p:spPr>
-          <a:xfrm>
-            <a:off x="502065" y="3841750"/>
-            <a:ext cx="869535" cy="628650"/>
-          </a:xfrm>
-          <a:prstGeom prst="rect">
-            <a:avLst/>
-          </a:prstGeom>
-        </p:spPr>
-      </p:pic>
-      <p:sp>
-        <p:nvSpPr>
-          <p:cNvPr id="16" name="Rounded Rectangle 15">
-            <a:extLst>
-              <a:ext uri="{FF2B5EF4-FFF2-40B4-BE49-F238E27FC236}">
-                <a16:creationId xmlns:a16="http://schemas.microsoft.com/office/drawing/2014/main" id="{BDEF69D4-1CDD-3B46-91BA-2C4BE25B34B6}"/>
-              </a:ext>
-              <a:ext uri="{C183D7F6-B498-43B3-948B-1728B52AA6E4}">
-                <adec:decorative xmlns:adec="http://schemas.microsoft.com/office/drawing/2017/decorative" val="1"/>
-              </a:ext>
-            </a:extLst>
-          </p:cNvPr>
-          <p:cNvSpPr/>
-          <p:nvPr userDrawn="1"/>
-        </p:nvSpPr>
-        <p:spPr>
-          <a:xfrm>
-            <a:off x="1697445" y="3752495"/>
-            <a:ext cx="2202419" cy="779487"/>
-          </a:xfrm>
-          <a:prstGeom prst="roundRect">
-            <a:avLst>
-              <a:gd name="adj" fmla="val 20191"/>
-            </a:avLst>
-          </a:prstGeom>
-          <a:blipFill>
-            <a:blip r:embed="rId4"/>
-            <a:stretch>
-              <a:fillRect/>
-            </a:stretch>
-          </a:blipFill>
-          <a:ln>
-            <a:noFill/>
-          </a:ln>
-        </p:spPr>
-        <p:style>
-          <a:lnRef idx="2">
-            <a:schemeClr val="accent1">
-              <a:shade val="50000"/>
-            </a:schemeClr>
-          </a:lnRef>
-          <a:fillRef idx="1">
-            <a:schemeClr val="accent1"/>
-          </a:fillRef>
-          <a:effectRef idx="0">
-            <a:schemeClr val="accent1"/>
-          </a:effectRef>
-          <a:fontRef idx="minor">
-            <a:schemeClr val="lt1"/>
-          </a:fontRef>
-        </p:style>
-        <p:txBody>
-          <a:bodyPr rtlCol="0" anchor="ctr"/>
-          <a:lstStyle/>
-          <a:p>
-            <a:pPr algn="ctr"/>
-            <a:endParaRPr lang="en-US" dirty="0"/>
-          </a:p>
-        </p:txBody>
-      </p:sp>
       <p:sp>
         <p:nvSpPr>
           <p:cNvPr id="19" name="Rounded Rectangle 18">
@@ -2337,6 +2238,105 @@
           </a:p>
         </p:txBody>
       </p:sp>
+      <p:sp>
+        <p:nvSpPr>
+          <p:cNvPr id="17" name="Rounded Rectangle 16">
+            <a:extLst>
+              <a:ext uri="{FF2B5EF4-FFF2-40B4-BE49-F238E27FC236}">
+                <a16:creationId xmlns:a16="http://schemas.microsoft.com/office/drawing/2014/main" id="{B7F1E385-8AAA-6F40-AC01-1316A8A4D6F7}"/>
+              </a:ext>
+              <a:ext uri="{C183D7F6-B498-43B3-948B-1728B52AA6E4}">
+                <adec:decorative xmlns:adec="http://schemas.microsoft.com/office/drawing/2017/decorative" val="1"/>
+              </a:ext>
+            </a:extLst>
+          </p:cNvPr>
+          <p:cNvSpPr/>
+          <p:nvPr userDrawn="1"/>
+        </p:nvSpPr>
+        <p:spPr>
+          <a:xfrm>
+            <a:off x="448071" y="3752495"/>
+            <a:ext cx="2202419" cy="779487"/>
+          </a:xfrm>
+          <a:prstGeom prst="roundRect">
+            <a:avLst>
+              <a:gd name="adj" fmla="val 20191"/>
+            </a:avLst>
+          </a:prstGeom>
+          <a:blipFill>
+            <a:blip r:embed="rId3"/>
+            <a:stretch>
+              <a:fillRect/>
+            </a:stretch>
+          </a:blipFill>
+          <a:ln>
+            <a:noFill/>
+          </a:ln>
+        </p:spPr>
+        <p:style>
+          <a:lnRef idx="2">
+            <a:schemeClr val="accent1">
+              <a:shade val="50000"/>
+            </a:schemeClr>
+          </a:lnRef>
+          <a:fillRef idx="1">
+            <a:schemeClr val="accent1"/>
+          </a:fillRef>
+          <a:effectRef idx="0">
+            <a:schemeClr val="accent1"/>
+          </a:effectRef>
+          <a:fontRef idx="minor">
+            <a:schemeClr val="lt1"/>
+          </a:fontRef>
+        </p:style>
+        <p:txBody>
+          <a:bodyPr rtlCol="0" anchor="ctr"/>
+          <a:lstStyle/>
+          <a:p>
+            <a:pPr algn="ctr"/>
+            <a:endParaRPr lang="en-US" dirty="0"/>
+          </a:p>
+        </p:txBody>
+      </p:sp>
+      <p:pic>
+        <p:nvPicPr>
+          <p:cNvPr id="20" name="Picture 19">
+            <a:extLst>
+              <a:ext uri="{FF2B5EF4-FFF2-40B4-BE49-F238E27FC236}">
+                <a16:creationId xmlns:a16="http://schemas.microsoft.com/office/drawing/2014/main" id="{B4440C91-555C-AE4A-8F50-1B5ED95E1816}"/>
+              </a:ext>
+              <a:ext uri="{C183D7F6-B498-43B3-948B-1728B52AA6E4}">
+                <adec:decorative xmlns:adec="http://schemas.microsoft.com/office/drawing/2017/decorative" val="1"/>
+              </a:ext>
+            </a:extLst>
+          </p:cNvPr>
+          <p:cNvPicPr>
+            <a:picLocks noChangeAspect="1"/>
+          </p:cNvPicPr>
+          <p:nvPr userDrawn="1"/>
+        </p:nvPicPr>
+        <p:blipFill>
+          <a:blip r:embed="rId4">
+            <a:extLst>
+              <a:ext uri="{28A0092B-C50C-407E-A947-70E740481C1C}">
+                <a14:useLocalDpi xmlns:a14="http://schemas.microsoft.com/office/drawing/2010/main" val="0"/>
+              </a:ext>
+            </a:extLst>
+          </a:blip>
+          <a:stretch>
+            <a:fillRect/>
+          </a:stretch>
+        </p:blipFill>
+        <p:spPr>
+          <a:xfrm>
+            <a:off x="3037030" y="3832697"/>
+            <a:ext cx="869535" cy="628650"/>
+          </a:xfrm>
+          <a:prstGeom prst="rect">
+            <a:avLst/>
+          </a:prstGeom>
+        </p:spPr>
+      </p:pic>
     </p:spTree>
     <p:extLst>
       <p:ext uri="{BB962C8B-B14F-4D97-AF65-F5344CB8AC3E}">
@@ -2997,92 +2997,12 @@
           </a:prstGeom>
         </p:spPr>
       </p:pic>
-      <p:pic>
-        <p:nvPicPr>
-          <p:cNvPr id="19" name="Picture 18" descr="A picture containing food&#10;&#10;Description automatically generated">
+      <p:sp>
+        <p:nvSpPr>
+          <p:cNvPr id="18" name="Rounded Rectangle 17">
             <a:extLst>
               <a:ext uri="{FF2B5EF4-FFF2-40B4-BE49-F238E27FC236}">
-                <a16:creationId xmlns:a16="http://schemas.microsoft.com/office/drawing/2014/main" id="{008B5863-1264-AC43-B7C3-F3DE40DE9655}"/>
-              </a:ext>
-            </a:extLst>
-          </p:cNvPr>
-          <p:cNvPicPr>
-            <a:picLocks noChangeAspect="1"/>
-          </p:cNvPicPr>
-          <p:nvPr userDrawn="1"/>
-        </p:nvPicPr>
-        <p:blipFill rotWithShape="1">
-          <a:blip r:embed="rId5">
-            <a:extLst>
-              <a:ext uri="{28A0092B-C50C-407E-A947-70E740481C1C}">
-                <a14:useLocalDpi xmlns:a14="http://schemas.microsoft.com/office/drawing/2010/main" val="0"/>
-              </a:ext>
-            </a:extLst>
-          </a:blip>
-          <a:srcRect r="3763" b="19294"/>
-          <a:stretch/>
-        </p:blipFill>
-        <p:spPr>
-          <a:xfrm>
-            <a:off x="6066692" y="4354414"/>
-            <a:ext cx="842588" cy="510860"/>
-          </a:xfrm>
-          <a:prstGeom prst="rect">
-            <a:avLst/>
-          </a:prstGeom>
-        </p:spPr>
-      </p:pic>
-      <p:pic>
-        <p:nvPicPr>
-          <p:cNvPr id="20" name="Picture 19">
-            <a:extLst>
-              <a:ext uri="{FF2B5EF4-FFF2-40B4-BE49-F238E27FC236}">
-                <a16:creationId xmlns:a16="http://schemas.microsoft.com/office/drawing/2014/main" id="{3DFF5F0F-B626-AF4D-8260-C1C025CB9B65}"/>
-              </a:ext>
-            </a:extLst>
-          </p:cNvPr>
-          <p:cNvPicPr>
-            <a:picLocks noChangeAspect="1"/>
-          </p:cNvPicPr>
-          <p:nvPr userDrawn="1"/>
-        </p:nvPicPr>
-        <p:blipFill>
-          <a:blip r:embed="rId6">
-            <a:extLst>
-              <a:ext uri="{BEBA8EAE-BF5A-486C-A8C5-ECC9F3942E4B}">
-                <a14:imgProps xmlns:a14="http://schemas.microsoft.com/office/drawing/2010/main">
-                  <a14:imgLayer r:embed="rId7">
-                    <a14:imgEffect>
-                      <a14:brightnessContrast bright="100000"/>
-                    </a14:imgEffect>
-                  </a14:imgLayer>
-                </a14:imgProps>
-              </a:ext>
-              <a:ext uri="{28A0092B-C50C-407E-A947-70E740481C1C}">
-                <a14:useLocalDpi xmlns:a14="http://schemas.microsoft.com/office/drawing/2010/main" val="0"/>
-              </a:ext>
-            </a:extLst>
-          </a:blip>
-          <a:stretch>
-            <a:fillRect/>
-          </a:stretch>
-        </p:blipFill>
-        <p:spPr>
-          <a:xfrm>
-            <a:off x="6068631" y="4866336"/>
-            <a:ext cx="875574" cy="121925"/>
-          </a:xfrm>
-          <a:prstGeom prst="rect">
-            <a:avLst/>
-          </a:prstGeom>
-        </p:spPr>
-      </p:pic>
-      <p:sp>
-        <p:nvSpPr>
-          <p:cNvPr id="21" name="Rounded Rectangle 20">
-            <a:extLst>
-              <a:ext uri="{FF2B5EF4-FFF2-40B4-BE49-F238E27FC236}">
-                <a16:creationId xmlns:a16="http://schemas.microsoft.com/office/drawing/2014/main" id="{D0BB39E9-8388-974E-9726-032F9C03F7A0}"/>
+                <a16:creationId xmlns:a16="http://schemas.microsoft.com/office/drawing/2014/main" id="{A771681B-89BB-1B47-AAFC-EC507E4F7DB2}"/>
               </a:ext>
             </a:extLst>
           </p:cNvPr>
@@ -3091,7 +3011,7 @@
         </p:nvSpPr>
         <p:spPr>
           <a:xfrm>
-            <a:off x="7404921" y="4409128"/>
+            <a:off x="5949003" y="4404774"/>
             <a:ext cx="1591642" cy="563319"/>
           </a:xfrm>
           <a:prstGeom prst="roundRect">
@@ -3100,7 +3020,7 @@
             </a:avLst>
           </a:prstGeom>
           <a:blipFill>
-            <a:blip r:embed="rId8"/>
+            <a:blip r:embed="rId5"/>
             <a:stretch>
               <a:fillRect/>
             </a:stretch>
@@ -3134,6 +3054,86 @@
           </a:p>
         </p:txBody>
       </p:sp>
+      <p:pic>
+        <p:nvPicPr>
+          <p:cNvPr id="22" name="Picture 21" descr="A picture containing food&#10;&#10;Description automatically generated">
+            <a:extLst>
+              <a:ext uri="{FF2B5EF4-FFF2-40B4-BE49-F238E27FC236}">
+                <a16:creationId xmlns:a16="http://schemas.microsoft.com/office/drawing/2014/main" id="{348B9B6A-E8E5-734F-A6A7-835D4B174325}"/>
+              </a:ext>
+            </a:extLst>
+          </p:cNvPr>
+          <p:cNvPicPr>
+            <a:picLocks noChangeAspect="1"/>
+          </p:cNvPicPr>
+          <p:nvPr userDrawn="1"/>
+        </p:nvPicPr>
+        <p:blipFill rotWithShape="1">
+          <a:blip r:embed="rId6">
+            <a:extLst>
+              <a:ext uri="{28A0092B-C50C-407E-A947-70E740481C1C}">
+                <a14:useLocalDpi xmlns:a14="http://schemas.microsoft.com/office/drawing/2010/main" val="0"/>
+              </a:ext>
+            </a:extLst>
+          </a:blip>
+          <a:srcRect r="3763" b="19294"/>
+          <a:stretch/>
+        </p:blipFill>
+        <p:spPr>
+          <a:xfrm>
+            <a:off x="7913604" y="4354414"/>
+            <a:ext cx="842588" cy="510860"/>
+          </a:xfrm>
+          <a:prstGeom prst="rect">
+            <a:avLst/>
+          </a:prstGeom>
+        </p:spPr>
+      </p:pic>
+      <p:pic>
+        <p:nvPicPr>
+          <p:cNvPr id="23" name="Picture 22">
+            <a:extLst>
+              <a:ext uri="{FF2B5EF4-FFF2-40B4-BE49-F238E27FC236}">
+                <a16:creationId xmlns:a16="http://schemas.microsoft.com/office/drawing/2014/main" id="{4F68C3FF-80E7-7F4C-A47C-FE5F8F78FA4B}"/>
+              </a:ext>
+            </a:extLst>
+          </p:cNvPr>
+          <p:cNvPicPr>
+            <a:picLocks noChangeAspect="1"/>
+          </p:cNvPicPr>
+          <p:nvPr userDrawn="1"/>
+        </p:nvPicPr>
+        <p:blipFill>
+          <a:blip r:embed="rId7">
+            <a:extLst>
+              <a:ext uri="{BEBA8EAE-BF5A-486C-A8C5-ECC9F3942E4B}">
+                <a14:imgProps xmlns:a14="http://schemas.microsoft.com/office/drawing/2010/main">
+                  <a14:imgLayer r:embed="rId8">
+                    <a14:imgEffect>
+                      <a14:brightnessContrast bright="100000"/>
+                    </a14:imgEffect>
+                  </a14:imgLayer>
+                </a14:imgProps>
+              </a:ext>
+              <a:ext uri="{28A0092B-C50C-407E-A947-70E740481C1C}">
+                <a14:useLocalDpi xmlns:a14="http://schemas.microsoft.com/office/drawing/2010/main" val="0"/>
+              </a:ext>
+            </a:extLst>
+          </a:blip>
+          <a:stretch>
+            <a:fillRect/>
+          </a:stretch>
+        </p:blipFill>
+        <p:spPr>
+          <a:xfrm>
+            <a:off x="7915543" y="4866336"/>
+            <a:ext cx="875574" cy="121925"/>
+          </a:xfrm>
+          <a:prstGeom prst="rect">
+            <a:avLst/>
+          </a:prstGeom>
+        </p:spPr>
+      </p:pic>
     </p:spTree>
     <p:extLst>
       <p:ext uri="{BB962C8B-B14F-4D97-AF65-F5344CB8AC3E}">
@@ -4110,10 +4110,10 @@
       </p:grpSp>
       <p:sp>
         <p:nvSpPr>
-          <p:cNvPr id="14" name="Rounded Rectangle 13">
+          <p:cNvPr id="16" name="Rounded Rectangle 15">
             <a:extLst>
               <a:ext uri="{FF2B5EF4-FFF2-40B4-BE49-F238E27FC236}">
-                <a16:creationId xmlns:a16="http://schemas.microsoft.com/office/drawing/2014/main" id="{D0C9011F-7514-6040-A830-4DD54B7F8A41}"/>
+                <a16:creationId xmlns:a16="http://schemas.microsoft.com/office/drawing/2014/main" id="{83687F6D-B30D-1643-8754-0E4A0C0FEC33}"/>
               </a:ext>
             </a:extLst>
           </p:cNvPr>
@@ -4122,7 +4122,7 @@
         </p:nvSpPr>
         <p:spPr>
           <a:xfrm>
-            <a:off x="914400" y="4424667"/>
+            <a:off x="150416" y="4424667"/>
             <a:ext cx="1404530" cy="497096"/>
           </a:xfrm>
           <a:prstGeom prst="roundRect">
@@ -4167,10 +4167,10 @@
       </p:sp>
       <p:pic>
         <p:nvPicPr>
-          <p:cNvPr id="15" name="Picture 14" descr="A picture containing food&#10;&#10;Description automatically generated">
+          <p:cNvPr id="17" name="Picture 16" descr="A picture containing food&#10;&#10;Description automatically generated">
             <a:extLst>
               <a:ext uri="{FF2B5EF4-FFF2-40B4-BE49-F238E27FC236}">
-                <a16:creationId xmlns:a16="http://schemas.microsoft.com/office/drawing/2014/main" id="{BB7B8C12-0AC1-0B44-B2C9-0DC2E78091D0}"/>
+                <a16:creationId xmlns:a16="http://schemas.microsoft.com/office/drawing/2014/main" id="{5E0F9F88-07B6-3447-A4DE-6D099018AFF4}"/>
               </a:ext>
             </a:extLst>
           </p:cNvPr>
@@ -4193,7 +4193,7 @@
         </p:blipFill>
         <p:spPr>
           <a:xfrm>
-            <a:off x="251010" y="4493208"/>
+            <a:off x="1753887" y="4493208"/>
             <a:ext cx="510990" cy="369432"/>
           </a:xfrm>
           <a:prstGeom prst="rect">
@@ -5417,10 +5417,10 @@
       </p:grpSp>
       <p:sp>
         <p:nvSpPr>
-          <p:cNvPr id="22" name="Rounded Rectangle 21">
+          <p:cNvPr id="21" name="Rounded Rectangle 20">
             <a:extLst>
               <a:ext uri="{FF2B5EF4-FFF2-40B4-BE49-F238E27FC236}">
-                <a16:creationId xmlns:a16="http://schemas.microsoft.com/office/drawing/2014/main" id="{B9B86D37-AC6F-204A-8F33-0B1F369D93DD}"/>
+                <a16:creationId xmlns:a16="http://schemas.microsoft.com/office/drawing/2014/main" id="{501C117D-B743-844F-9D2E-44A60DF5CC97}"/>
               </a:ext>
             </a:extLst>
           </p:cNvPr>
@@ -5429,7 +5429,7 @@
         </p:nvSpPr>
         <p:spPr>
           <a:xfrm>
-            <a:off x="914400" y="4424667"/>
+            <a:off x="150416" y="4424667"/>
             <a:ext cx="1404530" cy="497096"/>
           </a:xfrm>
           <a:prstGeom prst="roundRect">
@@ -5474,10 +5474,10 @@
       </p:sp>
       <p:pic>
         <p:nvPicPr>
-          <p:cNvPr id="26" name="Picture 25" descr="A picture containing food&#10;&#10;Description automatically generated">
+          <p:cNvPr id="27" name="Picture 26" descr="A picture containing food&#10;&#10;Description automatically generated">
             <a:extLst>
               <a:ext uri="{FF2B5EF4-FFF2-40B4-BE49-F238E27FC236}">
-                <a16:creationId xmlns:a16="http://schemas.microsoft.com/office/drawing/2014/main" id="{FBFEC73D-5949-B243-B329-FA0793A877F7}"/>
+                <a16:creationId xmlns:a16="http://schemas.microsoft.com/office/drawing/2014/main" id="{8DFBF0AC-D018-8A41-98C2-4070D1F5FD7F}"/>
               </a:ext>
             </a:extLst>
           </p:cNvPr>
@@ -5500,7 +5500,7 @@
         </p:blipFill>
         <p:spPr>
           <a:xfrm>
-            <a:off x="251010" y="4493208"/>
+            <a:off x="1753887" y="4493208"/>
             <a:ext cx="510990" cy="369432"/>
           </a:xfrm>
           <a:prstGeom prst="rect">
@@ -6403,10 +6403,10 @@
       </p:sp>
       <p:sp>
         <p:nvSpPr>
-          <p:cNvPr id="6" name="Rounded Rectangle 5">
+          <p:cNvPr id="9" name="Rounded Rectangle 8">
             <a:extLst>
               <a:ext uri="{FF2B5EF4-FFF2-40B4-BE49-F238E27FC236}">
-                <a16:creationId xmlns:a16="http://schemas.microsoft.com/office/drawing/2014/main" id="{4711E41E-E54C-B74B-929C-C2184496F426}"/>
+                <a16:creationId xmlns:a16="http://schemas.microsoft.com/office/drawing/2014/main" id="{074D0854-1EDA-6B43-B263-5DC3EFEAA991}"/>
               </a:ext>
             </a:extLst>
           </p:cNvPr>
@@ -6415,7 +6415,7 @@
         </p:nvSpPr>
         <p:spPr>
           <a:xfrm>
-            <a:off x="1886913" y="4019550"/>
+            <a:off x="417949" y="4030406"/>
             <a:ext cx="2036355" cy="720713"/>
           </a:xfrm>
           <a:prstGeom prst="roundRect">
@@ -6460,10 +6460,10 @@
       </p:sp>
       <p:pic>
         <p:nvPicPr>
-          <p:cNvPr id="7" name="Picture 6" descr="A picture containing food&#10;&#10;Description automatically generated">
+          <p:cNvPr id="10" name="Picture 9" descr="A picture containing food&#10;&#10;Description automatically generated">
             <a:extLst>
               <a:ext uri="{FF2B5EF4-FFF2-40B4-BE49-F238E27FC236}">
-                <a16:creationId xmlns:a16="http://schemas.microsoft.com/office/drawing/2014/main" id="{4CC194F1-5663-CF41-A895-CAC3FC8F5CD0}"/>
+                <a16:creationId xmlns:a16="http://schemas.microsoft.com/office/drawing/2014/main" id="{F46A7CCC-B5D6-8E4B-ABAD-4A63642223AE}"/>
               </a:ext>
             </a:extLst>
           </p:cNvPr>
@@ -6485,7 +6485,7 @@
         </p:blipFill>
         <p:spPr>
           <a:xfrm>
-            <a:off x="440924" y="4030406"/>
+            <a:off x="2912518" y="4030406"/>
             <a:ext cx="996875" cy="602071"/>
           </a:xfrm>
           <a:prstGeom prst="rect">
@@ -6495,10 +6495,10 @@
       </p:pic>
       <p:pic>
         <p:nvPicPr>
-          <p:cNvPr id="8" name="Picture 7">
+          <p:cNvPr id="11" name="Picture 10">
             <a:extLst>
               <a:ext uri="{FF2B5EF4-FFF2-40B4-BE49-F238E27FC236}">
-                <a16:creationId xmlns:a16="http://schemas.microsoft.com/office/drawing/2014/main" id="{5D7414F5-9469-A449-B253-A35E1DDD2C08}"/>
+                <a16:creationId xmlns:a16="http://schemas.microsoft.com/office/drawing/2014/main" id="{2058D4E7-5A34-A142-A26C-832B1B455E67}"/>
               </a:ext>
             </a:extLst>
           </p:cNvPr>
@@ -6530,7 +6530,7 @@
         </p:blipFill>
         <p:spPr>
           <a:xfrm>
-            <a:off x="440924" y="4646083"/>
+            <a:off x="2912518" y="4646083"/>
             <a:ext cx="1032012" cy="143709"/>
           </a:xfrm>
           <a:prstGeom prst="rect">
@@ -6775,10 +6775,10 @@
       </p:sp>
       <p:sp>
         <p:nvSpPr>
-          <p:cNvPr id="7" name="Rounded Rectangle 6">
+          <p:cNvPr id="10" name="Rounded Rectangle 9">
             <a:extLst>
               <a:ext uri="{FF2B5EF4-FFF2-40B4-BE49-F238E27FC236}">
-                <a16:creationId xmlns:a16="http://schemas.microsoft.com/office/drawing/2014/main" id="{765FD73E-1106-524F-8B38-1DC3C72069E6}"/>
+                <a16:creationId xmlns:a16="http://schemas.microsoft.com/office/drawing/2014/main" id="{11EE880A-F42C-DF40-AAC3-1279B2188742}"/>
               </a:ext>
             </a:extLst>
           </p:cNvPr>
@@ -6787,7 +6787,7 @@
         </p:nvSpPr>
         <p:spPr>
           <a:xfrm>
-            <a:off x="1886913" y="4019550"/>
+            <a:off x="417949" y="4030406"/>
             <a:ext cx="2036355" cy="720713"/>
           </a:xfrm>
           <a:prstGeom prst="roundRect">
@@ -6832,10 +6832,10 @@
       </p:sp>
       <p:pic>
         <p:nvPicPr>
-          <p:cNvPr id="8" name="Picture 7" descr="A picture containing food&#10;&#10;Description automatically generated">
+          <p:cNvPr id="11" name="Picture 10" descr="A picture containing food&#10;&#10;Description automatically generated">
             <a:extLst>
               <a:ext uri="{FF2B5EF4-FFF2-40B4-BE49-F238E27FC236}">
-                <a16:creationId xmlns:a16="http://schemas.microsoft.com/office/drawing/2014/main" id="{52620D11-ED5B-F04C-9B29-65636F892DFB}"/>
+                <a16:creationId xmlns:a16="http://schemas.microsoft.com/office/drawing/2014/main" id="{7B97086B-E0F5-7446-B78E-2A1311D60479}"/>
               </a:ext>
             </a:extLst>
           </p:cNvPr>
@@ -6857,7 +6857,7 @@
         </p:blipFill>
         <p:spPr>
           <a:xfrm>
-            <a:off x="440924" y="4030406"/>
+            <a:off x="2912518" y="4030406"/>
             <a:ext cx="996875" cy="602071"/>
           </a:xfrm>
           <a:prstGeom prst="rect">
@@ -6867,10 +6867,10 @@
       </p:pic>
       <p:pic>
         <p:nvPicPr>
-          <p:cNvPr id="9" name="Picture 8">
+          <p:cNvPr id="12" name="Picture 11">
             <a:extLst>
               <a:ext uri="{FF2B5EF4-FFF2-40B4-BE49-F238E27FC236}">
-                <a16:creationId xmlns:a16="http://schemas.microsoft.com/office/drawing/2014/main" id="{B5165FEE-C2AD-F04C-AB6A-194989004150}"/>
+                <a16:creationId xmlns:a16="http://schemas.microsoft.com/office/drawing/2014/main" id="{1946364D-F459-4B41-B786-5899E6B673A2}"/>
               </a:ext>
             </a:extLst>
           </p:cNvPr>
@@ -6902,7 +6902,7 @@
         </p:blipFill>
         <p:spPr>
           <a:xfrm>
-            <a:off x="440924" y="4646083"/>
+            <a:off x="2912518" y="4646083"/>
             <a:ext cx="1032012" cy="143709"/>
           </a:xfrm>
           <a:prstGeom prst="rect">
@@ -7569,92 +7569,12 @@
           </a:prstGeom>
         </p:spPr>
       </p:pic>
-      <p:pic>
-        <p:nvPicPr>
-          <p:cNvPr id="17" name="Picture 16" descr="A picture containing food&#10;&#10;Description automatically generated">
+      <p:sp>
+        <p:nvSpPr>
+          <p:cNvPr id="21" name="Rounded Rectangle 20">
             <a:extLst>
               <a:ext uri="{FF2B5EF4-FFF2-40B4-BE49-F238E27FC236}">
-                <a16:creationId xmlns:a16="http://schemas.microsoft.com/office/drawing/2014/main" id="{A066A1FC-CEDB-8F4E-BF5E-FE6CBB01B276}"/>
-              </a:ext>
-            </a:extLst>
-          </p:cNvPr>
-          <p:cNvPicPr>
-            <a:picLocks noChangeAspect="1"/>
-          </p:cNvPicPr>
-          <p:nvPr userDrawn="1"/>
-        </p:nvPicPr>
-        <p:blipFill rotWithShape="1">
-          <a:blip r:embed="rId5">
-            <a:extLst>
-              <a:ext uri="{28A0092B-C50C-407E-A947-70E740481C1C}">
-                <a14:useLocalDpi xmlns:a14="http://schemas.microsoft.com/office/drawing/2010/main" val="0"/>
-              </a:ext>
-            </a:extLst>
-          </a:blip>
-          <a:srcRect r="3763" b="19294"/>
-          <a:stretch/>
-        </p:blipFill>
-        <p:spPr>
-          <a:xfrm>
-            <a:off x="6066692" y="4354414"/>
-            <a:ext cx="842588" cy="510860"/>
-          </a:xfrm>
-          <a:prstGeom prst="rect">
-            <a:avLst/>
-          </a:prstGeom>
-        </p:spPr>
-      </p:pic>
-      <p:pic>
-        <p:nvPicPr>
-          <p:cNvPr id="19" name="Picture 18">
-            <a:extLst>
-              <a:ext uri="{FF2B5EF4-FFF2-40B4-BE49-F238E27FC236}">
-                <a16:creationId xmlns:a16="http://schemas.microsoft.com/office/drawing/2014/main" id="{E3376CDB-4925-7C45-8F65-0B13D81F5E9E}"/>
-              </a:ext>
-            </a:extLst>
-          </p:cNvPr>
-          <p:cNvPicPr>
-            <a:picLocks noChangeAspect="1"/>
-          </p:cNvPicPr>
-          <p:nvPr userDrawn="1"/>
-        </p:nvPicPr>
-        <p:blipFill>
-          <a:blip r:embed="rId6">
-            <a:extLst>
-              <a:ext uri="{BEBA8EAE-BF5A-486C-A8C5-ECC9F3942E4B}">
-                <a14:imgProps xmlns:a14="http://schemas.microsoft.com/office/drawing/2010/main">
-                  <a14:imgLayer r:embed="rId7">
-                    <a14:imgEffect>
-                      <a14:brightnessContrast bright="100000"/>
-                    </a14:imgEffect>
-                  </a14:imgLayer>
-                </a14:imgProps>
-              </a:ext>
-              <a:ext uri="{28A0092B-C50C-407E-A947-70E740481C1C}">
-                <a14:useLocalDpi xmlns:a14="http://schemas.microsoft.com/office/drawing/2010/main" val="0"/>
-              </a:ext>
-            </a:extLst>
-          </a:blip>
-          <a:stretch>
-            <a:fillRect/>
-          </a:stretch>
-        </p:blipFill>
-        <p:spPr>
-          <a:xfrm>
-            <a:off x="6068631" y="4866336"/>
-            <a:ext cx="875574" cy="121925"/>
-          </a:xfrm>
-          <a:prstGeom prst="rect">
-            <a:avLst/>
-          </a:prstGeom>
-        </p:spPr>
-      </p:pic>
-      <p:sp>
-        <p:nvSpPr>
-          <p:cNvPr id="20" name="Rounded Rectangle 19">
-            <a:extLst>
-              <a:ext uri="{FF2B5EF4-FFF2-40B4-BE49-F238E27FC236}">
-                <a16:creationId xmlns:a16="http://schemas.microsoft.com/office/drawing/2014/main" id="{2833F6B6-DE73-BF4D-B0D7-64EE52BCF60A}"/>
+                <a16:creationId xmlns:a16="http://schemas.microsoft.com/office/drawing/2014/main" id="{2659A70C-EFDE-3849-BE8C-8E5F466FF449}"/>
               </a:ext>
             </a:extLst>
           </p:cNvPr>
@@ -7663,7 +7583,7 @@
         </p:nvSpPr>
         <p:spPr>
           <a:xfrm>
-            <a:off x="7404921" y="4409128"/>
+            <a:off x="5949003" y="4404774"/>
             <a:ext cx="1591642" cy="563319"/>
           </a:xfrm>
           <a:prstGeom prst="roundRect">
@@ -7672,7 +7592,7 @@
             </a:avLst>
           </a:prstGeom>
           <a:blipFill>
-            <a:blip r:embed="rId8"/>
+            <a:blip r:embed="rId5"/>
             <a:stretch>
               <a:fillRect/>
             </a:stretch>
@@ -7706,6 +7626,86 @@
           </a:p>
         </p:txBody>
       </p:sp>
+      <p:pic>
+        <p:nvPicPr>
+          <p:cNvPr id="22" name="Picture 21" descr="A picture containing food&#10;&#10;Description automatically generated">
+            <a:extLst>
+              <a:ext uri="{FF2B5EF4-FFF2-40B4-BE49-F238E27FC236}">
+                <a16:creationId xmlns:a16="http://schemas.microsoft.com/office/drawing/2014/main" id="{F22FAB41-FC25-F645-A348-2A4160B8C6AA}"/>
+              </a:ext>
+            </a:extLst>
+          </p:cNvPr>
+          <p:cNvPicPr>
+            <a:picLocks noChangeAspect="1"/>
+          </p:cNvPicPr>
+          <p:nvPr userDrawn="1"/>
+        </p:nvPicPr>
+        <p:blipFill rotWithShape="1">
+          <a:blip r:embed="rId6">
+            <a:extLst>
+              <a:ext uri="{28A0092B-C50C-407E-A947-70E740481C1C}">
+                <a14:useLocalDpi xmlns:a14="http://schemas.microsoft.com/office/drawing/2010/main" val="0"/>
+              </a:ext>
+            </a:extLst>
+          </a:blip>
+          <a:srcRect r="3763" b="19294"/>
+          <a:stretch/>
+        </p:blipFill>
+        <p:spPr>
+          <a:xfrm>
+            <a:off x="7913604" y="4354414"/>
+            <a:ext cx="842588" cy="510860"/>
+          </a:xfrm>
+          <a:prstGeom prst="rect">
+            <a:avLst/>
+          </a:prstGeom>
+        </p:spPr>
+      </p:pic>
+      <p:pic>
+        <p:nvPicPr>
+          <p:cNvPr id="23" name="Picture 22">
+            <a:extLst>
+              <a:ext uri="{FF2B5EF4-FFF2-40B4-BE49-F238E27FC236}">
+                <a16:creationId xmlns:a16="http://schemas.microsoft.com/office/drawing/2014/main" id="{5C4E6A35-AFD8-694E-ABD5-FA0C52600638}"/>
+              </a:ext>
+            </a:extLst>
+          </p:cNvPr>
+          <p:cNvPicPr>
+            <a:picLocks noChangeAspect="1"/>
+          </p:cNvPicPr>
+          <p:nvPr userDrawn="1"/>
+        </p:nvPicPr>
+        <p:blipFill>
+          <a:blip r:embed="rId7">
+            <a:extLst>
+              <a:ext uri="{BEBA8EAE-BF5A-486C-A8C5-ECC9F3942E4B}">
+                <a14:imgProps xmlns:a14="http://schemas.microsoft.com/office/drawing/2010/main">
+                  <a14:imgLayer r:embed="rId8">
+                    <a14:imgEffect>
+                      <a14:brightnessContrast bright="100000"/>
+                    </a14:imgEffect>
+                  </a14:imgLayer>
+                </a14:imgProps>
+              </a:ext>
+              <a:ext uri="{28A0092B-C50C-407E-A947-70E740481C1C}">
+                <a14:useLocalDpi xmlns:a14="http://schemas.microsoft.com/office/drawing/2010/main" val="0"/>
+              </a:ext>
+            </a:extLst>
+          </a:blip>
+          <a:stretch>
+            <a:fillRect/>
+          </a:stretch>
+        </p:blipFill>
+        <p:spPr>
+          <a:xfrm>
+            <a:off x="7915543" y="4866336"/>
+            <a:ext cx="875574" cy="121925"/>
+          </a:xfrm>
+          <a:prstGeom prst="rect">
+            <a:avLst/>
+          </a:prstGeom>
+        </p:spPr>
+      </p:pic>
     </p:spTree>
     <p:extLst>
       <p:ext uri="{BB962C8B-B14F-4D97-AF65-F5344CB8AC3E}">
@@ -9070,7 +9070,7 @@
         </p:nvSpPr>
         <p:spPr>
           <a:xfrm>
-            <a:off x="457200" y="1158875"/>
+            <a:off x="457200" y="1014497"/>
             <a:ext cx="8158294" cy="3341688"/>
           </a:xfrm>
         </p:spPr>
@@ -9916,28 +9916,6 @@
 </file>
 
 <file path=customXml/item1.xml><?xml version="1.0" encoding="utf-8"?>
-<p:properties xmlns:p="http://schemas.microsoft.com/office/2006/metadata/properties" xmlns:xsi="http://www.w3.org/2001/XMLSchema-instance" xmlns:pc="http://schemas.microsoft.com/office/infopath/2007/PartnerControls">
-  <documentManagement>
-    <_ip_UnifiedCompliancePolicyUIAction xmlns="http://schemas.microsoft.com/sharepoint/v3" xsi:nil="true"/>
-    <Catch xmlns="52ff0146-47b4-4d51-8c1c-03266fcd63a2">New Item</Catch>
-    <TaxCatchAll xmlns="cd03f174-a395-49eb-8ee9-8d943e22f40d"/>
-    <_ip_UnifiedCompliancePolicyProperties xmlns="http://schemas.microsoft.com/sharepoint/v3" xsi:nil="true"/>
-    <Status xmlns="52ff0146-47b4-4d51-8c1c-03266fcd63a2">Draft</Status>
-    <_x0070_n49 xmlns="52ff0146-47b4-4d51-8c1c-03266fcd63a2">
-      <UserInfo>
-        <DisplayName/>
-        <AccountId xsi:nil="true"/>
-        <AccountType/>
-      </UserInfo>
-    </_x0070_n49>
-    <TaxKeywordTaxHTField xmlns="cd03f174-a395-49eb-8ee9-8d943e22f40d">
-      <Terms xmlns="http://schemas.microsoft.com/office/infopath/2007/PartnerControls"/>
-    </TaxKeywordTaxHTField>
-  </documentManagement>
-</p:properties>
-</file>
-
-<file path=customXml/item2.xml><?xml version="1.0" encoding="utf-8"?>
 <ct:contentTypeSchema xmlns:ct="http://schemas.microsoft.com/office/2006/metadata/contentType" xmlns:ma="http://schemas.microsoft.com/office/2006/metadata/properties/metaAttributes" ct:_="" ma:_="" ma:contentTypeName="Document" ma:contentTypeID="0x010100BB263BB87ED693489DF545C68D111AB5" ma:contentTypeVersion="18" ma:contentTypeDescription="Create a new document." ma:contentTypeScope="" ma:versionID="1bb985614d6d5f242178b3d6c763e8e5">
   <xsd:schema xmlns:xsd="http://www.w3.org/2001/XMLSchema" xmlns:xs="http://www.w3.org/2001/XMLSchema" xmlns:p="http://schemas.microsoft.com/office/2006/metadata/properties" xmlns:ns1="http://schemas.microsoft.com/sharepoint/v3" xmlns:ns2="52ff0146-47b4-4d51-8c1c-03266fcd63a2" xmlns:ns3="cd03f174-a395-49eb-8ee9-8d943e22f40d" targetNamespace="http://schemas.microsoft.com/office/2006/metadata/properties" ma:root="true" ma:fieldsID="f1d289979c5f6198047010f839de2e29" ns1:_="" ns2:_="" ns3:_="">
     <xsd:import namespace="http://schemas.microsoft.com/sharepoint/v3"/>
@@ -10214,7 +10192,7 @@
 </ct:contentTypeSchema>
 </file>
 
-<file path=customXml/item3.xml><?xml version="1.0" encoding="utf-8"?>
+<file path=customXml/item2.xml><?xml version="1.0" encoding="utf-8"?>
 <?mso-contentType ?>
 <FormTemplates xmlns="http://schemas.microsoft.com/sharepoint/v3/contenttype/forms">
   <Display>DocumentLibraryForm</Display>
@@ -10223,25 +10201,29 @@
 </FormTemplates>
 </file>
 
-<file path=customXml/itemProps1.xml><?xml version="1.0" encoding="utf-8"?>
-<ds:datastoreItem xmlns:ds="http://schemas.openxmlformats.org/officeDocument/2006/customXml" ds:itemID="{9C1EED69-1140-472C-A4CE-95899EB62831}">
-  <ds:schemaRefs>
-    <ds:schemaRef ds:uri="http://purl.org/dc/elements/1.1/"/>
-    <ds:schemaRef ds:uri="http://purl.org/dc/dcmitype/"/>
-    <ds:schemaRef ds:uri="http://schemas.microsoft.com/office/infopath/2007/PartnerControls"/>
-    <ds:schemaRef ds:uri="52ff0146-47b4-4d51-8c1c-03266fcd63a2"/>
-    <ds:schemaRef ds:uri="http://schemas.microsoft.com/office/2006/metadata/properties"/>
-    <ds:schemaRef ds:uri="http://schemas.microsoft.com/office/2006/documentManagement/types"/>
-    <ds:schemaRef ds:uri="http://schemas.microsoft.com/sharepoint/v3"/>
-    <ds:schemaRef ds:uri="http://purl.org/dc/terms/"/>
-    <ds:schemaRef ds:uri="http://schemas.openxmlformats.org/package/2006/metadata/core-properties"/>
-    <ds:schemaRef ds:uri="cd03f174-a395-49eb-8ee9-8d943e22f40d"/>
-    <ds:schemaRef ds:uri="http://www.w3.org/XML/1998/namespace"/>
-  </ds:schemaRefs>
-</ds:datastoreItem>
+<file path=customXml/item3.xml><?xml version="1.0" encoding="utf-8"?>
+<p:properties xmlns:p="http://schemas.microsoft.com/office/2006/metadata/properties" xmlns:xsi="http://www.w3.org/2001/XMLSchema-instance" xmlns:pc="http://schemas.microsoft.com/office/infopath/2007/PartnerControls">
+  <documentManagement>
+    <_ip_UnifiedCompliancePolicyUIAction xmlns="http://schemas.microsoft.com/sharepoint/v3" xsi:nil="true"/>
+    <Catch xmlns="52ff0146-47b4-4d51-8c1c-03266fcd63a2">New Item</Catch>
+    <TaxCatchAll xmlns="cd03f174-a395-49eb-8ee9-8d943e22f40d"/>
+    <_ip_UnifiedCompliancePolicyProperties xmlns="http://schemas.microsoft.com/sharepoint/v3" xsi:nil="true"/>
+    <Status xmlns="52ff0146-47b4-4d51-8c1c-03266fcd63a2">Draft</Status>
+    <_x0070_n49 xmlns="52ff0146-47b4-4d51-8c1c-03266fcd63a2">
+      <UserInfo>
+        <DisplayName/>
+        <AccountId xsi:nil="true"/>
+        <AccountType/>
+      </UserInfo>
+    </_x0070_n49>
+    <TaxKeywordTaxHTField xmlns="cd03f174-a395-49eb-8ee9-8d943e22f40d">
+      <Terms xmlns="http://schemas.microsoft.com/office/infopath/2007/PartnerControls"/>
+    </TaxKeywordTaxHTField>
+  </documentManagement>
+</p:properties>
 </file>
 
-<file path=customXml/itemProps2.xml><?xml version="1.0" encoding="utf-8"?>
+<file path=customXml/itemProps1.xml><?xml version="1.0" encoding="utf-8"?>
 <ds:datastoreItem xmlns:ds="http://schemas.openxmlformats.org/officeDocument/2006/customXml" ds:itemID="{B77032D4-11B9-469C-A821-69C99F7C1162}">
   <ds:schemaRefs>
     <ds:schemaRef ds:uri="http://schemas.microsoft.com/office/2006/metadata/contentType"/>
@@ -10261,10 +10243,28 @@
 </ds:datastoreItem>
 </file>
 
-<file path=customXml/itemProps3.xml><?xml version="1.0" encoding="utf-8"?>
+<file path=customXml/itemProps2.xml><?xml version="1.0" encoding="utf-8"?>
 <ds:datastoreItem xmlns:ds="http://schemas.openxmlformats.org/officeDocument/2006/customXml" ds:itemID="{C1F9774B-38D7-4BDE-8639-79D86975ED61}">
   <ds:schemaRefs>
     <ds:schemaRef ds:uri="http://schemas.microsoft.com/sharepoint/v3/contenttype/forms"/>
   </ds:schemaRefs>
 </ds:datastoreItem>
+</file>
+
+<file path=customXml/itemProps3.xml><?xml version="1.0" encoding="utf-8"?>
+<ds:datastoreItem xmlns:ds="http://schemas.openxmlformats.org/officeDocument/2006/customXml" ds:itemID="{9C1EED69-1140-472C-A4CE-95899EB62831}">
+  <ds:schemaRefs>
+    <ds:schemaRef ds:uri="http://purl.org/dc/elements/1.1/"/>
+    <ds:schemaRef ds:uri="http://purl.org/dc/dcmitype/"/>
+    <ds:schemaRef ds:uri="http://schemas.microsoft.com/office/infopath/2007/PartnerControls"/>
+    <ds:schemaRef ds:uri="52ff0146-47b4-4d51-8c1c-03266fcd63a2"/>
+    <ds:schemaRef ds:uri="http://schemas.microsoft.com/office/2006/metadata/properties"/>
+    <ds:schemaRef ds:uri="http://schemas.microsoft.com/office/2006/documentManagement/types"/>
+    <ds:schemaRef ds:uri="http://schemas.microsoft.com/sharepoint/v3"/>
+    <ds:schemaRef ds:uri="http://purl.org/dc/terms/"/>
+    <ds:schemaRef ds:uri="http://schemas.openxmlformats.org/package/2006/metadata/core-properties"/>
+    <ds:schemaRef ds:uri="cd03f174-a395-49eb-8ee9-8d943e22f40d"/>
+    <ds:schemaRef ds:uri="http://www.w3.org/XML/1998/namespace"/>
+  </ds:schemaRefs>
+</ds:datastoreItem>
 </file>